--- a/base.pptx
+++ b/base.pptx
@@ -1,6 +1,6 @@
 
 <file path=ppt/presentation.xml><?xml version="1.0" encoding="utf-8"?>
-<p:presentation xmlns:a="http://schemas.openxmlformats.org/drawingml/2006/main" xmlns:r="http://schemas.openxmlformats.org/officeDocument/2006/relationships" xmlns:mc="http://schemas.openxmlformats.org/markup-compatibility/2006" xmlns:mv="urn:schemas-microsoft-com:mac:vml" xmlns:p="http://schemas.openxmlformats.org/presentationml/2006/main" mc:Ignorable="mv" mc:PreserveAttributes="mv:*" saveSubsetFonts="1" autoCompressPictures="0">
+<p:presentation xmlns:a="http://schemas.openxmlformats.org/drawingml/2006/main" xmlns:r="http://schemas.openxmlformats.org/officeDocument/2006/relationships" xmlns:p="http://schemas.openxmlformats.org/presentationml/2006/main" saveSubsetFonts="1" autoCompressPictures="0">
   <p:sldMasterIdLst>
     <p:sldMasterId id="2147483648" r:id="rId1"/>
   </p:sldMasterIdLst>
@@ -108,7 +108,7 @@
 </file>
 
 <file path=ppt/slideLayouts/slideLayout1.xml><?xml version="1.0" encoding="utf-8"?>
-<p:sldLayout xmlns:a="http://schemas.openxmlformats.org/drawingml/2006/main" xmlns:r="http://schemas.openxmlformats.org/officeDocument/2006/relationships" xmlns:mc="http://schemas.openxmlformats.org/markup-compatibility/2006" xmlns:mv="urn:schemas-microsoft-com:mac:vml" xmlns:p="http://schemas.openxmlformats.org/presentationml/2006/main" mc:Ignorable="mv" mc:PreserveAttributes="mv:*" type="title" preserve="1">
+<p:sldLayout xmlns:a="http://schemas.openxmlformats.org/drawingml/2006/main" xmlns:r="http://schemas.openxmlformats.org/officeDocument/2006/relationships" xmlns:p="http://schemas.openxmlformats.org/presentationml/2006/main" type="title" preserve="1">
   <p:cSld name="Title Slide">
     <p:spTree>
       <p:nvGrpSpPr>
@@ -288,7 +288,7 @@
           <a:p>
             <a:fld id="{CB21577C-4FFE-5B46-B8C7-10299048B949}" type="datetimeFigureOut">
               <a:rPr lang="en-US" smtClean="0"/>
-              <a:t>8/31/09</a:t>
+              <a:t>5/8/14</a:t>
             </a:fld>
             <a:endParaRPr lang="en-US"/>
           </a:p>
@@ -345,7 +345,7 @@
 </file>
 
 <file path=ppt/slideLayouts/slideLayout10.xml><?xml version="1.0" encoding="utf-8"?>
-<p:sldLayout xmlns:a="http://schemas.openxmlformats.org/drawingml/2006/main" xmlns:r="http://schemas.openxmlformats.org/officeDocument/2006/relationships" xmlns:mc="http://schemas.openxmlformats.org/markup-compatibility/2006" xmlns:mv="urn:schemas-microsoft-com:mac:vml" xmlns:p="http://schemas.openxmlformats.org/presentationml/2006/main" mc:Ignorable="mv" mc:PreserveAttributes="mv:*" type="vertTx" preserve="1">
+<p:sldLayout xmlns:a="http://schemas.openxmlformats.org/drawingml/2006/main" xmlns:r="http://schemas.openxmlformats.org/officeDocument/2006/relationships" xmlns:p="http://schemas.openxmlformats.org/presentationml/2006/main" type="vertTx" preserve="1">
   <p:cSld name="Title and Vertical Text">
     <p:spTree>
       <p:nvGrpSpPr>
@@ -453,7 +453,7 @@
           <a:p>
             <a:fld id="{CB21577C-4FFE-5B46-B8C7-10299048B949}" type="datetimeFigureOut">
               <a:rPr lang="en-US" smtClean="0"/>
-              <a:t>8/31/09</a:t>
+              <a:t>5/8/14</a:t>
             </a:fld>
             <a:endParaRPr lang="en-US"/>
           </a:p>
@@ -510,7 +510,7 @@
 </file>
 
 <file path=ppt/slideLayouts/slideLayout11.xml><?xml version="1.0" encoding="utf-8"?>
-<p:sldLayout xmlns:a="http://schemas.openxmlformats.org/drawingml/2006/main" xmlns:r="http://schemas.openxmlformats.org/officeDocument/2006/relationships" xmlns:mc="http://schemas.openxmlformats.org/markup-compatibility/2006" xmlns:mv="urn:schemas-microsoft-com:mac:vml" xmlns:p="http://schemas.openxmlformats.org/presentationml/2006/main" mc:Ignorable="mv" mc:PreserveAttributes="mv:*" type="vertTitleAndTx" preserve="1">
+<p:sldLayout xmlns:a="http://schemas.openxmlformats.org/drawingml/2006/main" xmlns:r="http://schemas.openxmlformats.org/officeDocument/2006/relationships" xmlns:p="http://schemas.openxmlformats.org/presentationml/2006/main" type="vertTitleAndTx" preserve="1">
   <p:cSld name="Vertical Title and Text">
     <p:spTree>
       <p:nvGrpSpPr>
@@ -628,7 +628,7 @@
           <a:p>
             <a:fld id="{CB21577C-4FFE-5B46-B8C7-10299048B949}" type="datetimeFigureOut">
               <a:rPr lang="en-US" smtClean="0"/>
-              <a:t>8/31/09</a:t>
+              <a:t>5/8/14</a:t>
             </a:fld>
             <a:endParaRPr lang="en-US"/>
           </a:p>
@@ -685,7 +685,7 @@
 </file>
 
 <file path=ppt/slideLayouts/slideLayout2.xml><?xml version="1.0" encoding="utf-8"?>
-<p:sldLayout xmlns:a="http://schemas.openxmlformats.org/drawingml/2006/main" xmlns:r="http://schemas.openxmlformats.org/officeDocument/2006/relationships" xmlns:mc="http://schemas.openxmlformats.org/markup-compatibility/2006" xmlns:mv="urn:schemas-microsoft-com:mac:vml" xmlns:p="http://schemas.openxmlformats.org/presentationml/2006/main" mc:Ignorable="mv" mc:PreserveAttributes="mv:*" type="obj" preserve="1">
+<p:sldLayout xmlns:a="http://schemas.openxmlformats.org/drawingml/2006/main" xmlns:r="http://schemas.openxmlformats.org/officeDocument/2006/relationships" xmlns:p="http://schemas.openxmlformats.org/presentationml/2006/main" type="obj" preserve="1">
   <p:cSld name="Title and Content">
     <p:spTree>
       <p:nvGrpSpPr>
@@ -793,7 +793,7 @@
           <a:p>
             <a:fld id="{CB21577C-4FFE-5B46-B8C7-10299048B949}" type="datetimeFigureOut">
               <a:rPr lang="en-US" smtClean="0"/>
-              <a:t>8/31/09</a:t>
+              <a:t>5/8/14</a:t>
             </a:fld>
             <a:endParaRPr lang="en-US"/>
           </a:p>
@@ -850,7 +850,7 @@
 </file>
 
 <file path=ppt/slideLayouts/slideLayout3.xml><?xml version="1.0" encoding="utf-8"?>
-<p:sldLayout xmlns:a="http://schemas.openxmlformats.org/drawingml/2006/main" xmlns:r="http://schemas.openxmlformats.org/officeDocument/2006/relationships" xmlns:mc="http://schemas.openxmlformats.org/markup-compatibility/2006" xmlns:mv="urn:schemas-microsoft-com:mac:vml" xmlns:p="http://schemas.openxmlformats.org/presentationml/2006/main" mc:Ignorable="mv" mc:PreserveAttributes="mv:*" type="secHead" preserve="1">
+<p:sldLayout xmlns:a="http://schemas.openxmlformats.org/drawingml/2006/main" xmlns:r="http://schemas.openxmlformats.org/officeDocument/2006/relationships" xmlns:p="http://schemas.openxmlformats.org/presentationml/2006/main" type="secHead" preserve="1">
   <p:cSld name="Section Header">
     <p:spTree>
       <p:nvGrpSpPr>
@@ -1034,7 +1034,7 @@
           <a:p>
             <a:fld id="{CB21577C-4FFE-5B46-B8C7-10299048B949}" type="datetimeFigureOut">
               <a:rPr lang="en-US" smtClean="0"/>
-              <a:t>8/31/09</a:t>
+              <a:t>5/8/14</a:t>
             </a:fld>
             <a:endParaRPr lang="en-US"/>
           </a:p>
@@ -1091,7 +1091,7 @@
 </file>
 
 <file path=ppt/slideLayouts/slideLayout4.xml><?xml version="1.0" encoding="utf-8"?>
-<p:sldLayout xmlns:a="http://schemas.openxmlformats.org/drawingml/2006/main" xmlns:r="http://schemas.openxmlformats.org/officeDocument/2006/relationships" xmlns:mc="http://schemas.openxmlformats.org/markup-compatibility/2006" xmlns:mv="urn:schemas-microsoft-com:mac:vml" xmlns:p="http://schemas.openxmlformats.org/presentationml/2006/main" mc:Ignorable="mv" mc:PreserveAttributes="mv:*" type="twoObj" preserve="1">
+<p:sldLayout xmlns:a="http://schemas.openxmlformats.org/drawingml/2006/main" xmlns:r="http://schemas.openxmlformats.org/officeDocument/2006/relationships" xmlns:p="http://schemas.openxmlformats.org/presentationml/2006/main" type="twoObj" preserve="1">
   <p:cSld name="Two Content">
     <p:spTree>
       <p:nvGrpSpPr>
@@ -1317,7 +1317,7 @@
           <a:p>
             <a:fld id="{CB21577C-4FFE-5B46-B8C7-10299048B949}" type="datetimeFigureOut">
               <a:rPr lang="en-US" smtClean="0"/>
-              <a:t>8/31/09</a:t>
+              <a:t>5/8/14</a:t>
             </a:fld>
             <a:endParaRPr lang="en-US"/>
           </a:p>
@@ -1374,7 +1374,7 @@
 </file>
 
 <file path=ppt/slideLayouts/slideLayout5.xml><?xml version="1.0" encoding="utf-8"?>
-<p:sldLayout xmlns:a="http://schemas.openxmlformats.org/drawingml/2006/main" xmlns:r="http://schemas.openxmlformats.org/officeDocument/2006/relationships" xmlns:mc="http://schemas.openxmlformats.org/markup-compatibility/2006" xmlns:mv="urn:schemas-microsoft-com:mac:vml" xmlns:p="http://schemas.openxmlformats.org/presentationml/2006/main" mc:Ignorable="mv" mc:PreserveAttributes="mv:*" type="twoTxTwoObj" preserve="1">
+<p:sldLayout xmlns:a="http://schemas.openxmlformats.org/drawingml/2006/main" xmlns:r="http://schemas.openxmlformats.org/officeDocument/2006/relationships" xmlns:p="http://schemas.openxmlformats.org/presentationml/2006/main" type="twoTxTwoObj" preserve="1">
   <p:cSld name="Comparison">
     <p:spTree>
       <p:nvGrpSpPr>
@@ -1734,7 +1734,7 @@
           <a:p>
             <a:fld id="{CB21577C-4FFE-5B46-B8C7-10299048B949}" type="datetimeFigureOut">
               <a:rPr lang="en-US" smtClean="0"/>
-              <a:t>8/31/09</a:t>
+              <a:t>5/8/14</a:t>
             </a:fld>
             <a:endParaRPr lang="en-US"/>
           </a:p>
@@ -1791,7 +1791,7 @@
 </file>
 
 <file path=ppt/slideLayouts/slideLayout6.xml><?xml version="1.0" encoding="utf-8"?>
-<p:sldLayout xmlns:a="http://schemas.openxmlformats.org/drawingml/2006/main" xmlns:r="http://schemas.openxmlformats.org/officeDocument/2006/relationships" xmlns:mc="http://schemas.openxmlformats.org/markup-compatibility/2006" xmlns:mv="urn:schemas-microsoft-com:mac:vml" xmlns:p="http://schemas.openxmlformats.org/presentationml/2006/main" mc:Ignorable="mv" mc:PreserveAttributes="mv:*" type="titleOnly" preserve="1">
+<p:sldLayout xmlns:a="http://schemas.openxmlformats.org/drawingml/2006/main" xmlns:r="http://schemas.openxmlformats.org/officeDocument/2006/relationships" xmlns:p="http://schemas.openxmlformats.org/presentationml/2006/main" type="titleOnly" preserve="1">
   <p:cSld name="Title Only">
     <p:spTree>
       <p:nvGrpSpPr>
@@ -1847,7 +1847,7 @@
           <a:p>
             <a:fld id="{CB21577C-4FFE-5B46-B8C7-10299048B949}" type="datetimeFigureOut">
               <a:rPr lang="en-US" smtClean="0"/>
-              <a:t>8/31/09</a:t>
+              <a:t>5/8/14</a:t>
             </a:fld>
             <a:endParaRPr lang="en-US"/>
           </a:p>
@@ -1904,7 +1904,7 @@
 </file>
 
 <file path=ppt/slideLayouts/slideLayout7.xml><?xml version="1.0" encoding="utf-8"?>
-<p:sldLayout xmlns:a="http://schemas.openxmlformats.org/drawingml/2006/main" xmlns:r="http://schemas.openxmlformats.org/officeDocument/2006/relationships" xmlns:mc="http://schemas.openxmlformats.org/markup-compatibility/2006" xmlns:mv="urn:schemas-microsoft-com:mac:vml" xmlns:p="http://schemas.openxmlformats.org/presentationml/2006/main" mc:Ignorable="mv" mc:PreserveAttributes="mv:*" type="blank" preserve="1">
+<p:sldLayout xmlns:a="http://schemas.openxmlformats.org/drawingml/2006/main" xmlns:r="http://schemas.openxmlformats.org/officeDocument/2006/relationships" xmlns:p="http://schemas.openxmlformats.org/presentationml/2006/main" type="blank" preserve="1">
   <p:cSld name="Blank">
     <p:spTree>
       <p:nvGrpSpPr>
@@ -1937,7 +1937,7 @@
           <a:p>
             <a:fld id="{CB21577C-4FFE-5B46-B8C7-10299048B949}" type="datetimeFigureOut">
               <a:rPr lang="en-US" smtClean="0"/>
-              <a:t>8/31/09</a:t>
+              <a:t>5/8/14</a:t>
             </a:fld>
             <a:endParaRPr lang="en-US"/>
           </a:p>
@@ -1994,7 +1994,7 @@
 </file>
 
 <file path=ppt/slideLayouts/slideLayout8.xml><?xml version="1.0" encoding="utf-8"?>
-<p:sldLayout xmlns:a="http://schemas.openxmlformats.org/drawingml/2006/main" xmlns:r="http://schemas.openxmlformats.org/officeDocument/2006/relationships" xmlns:mc="http://schemas.openxmlformats.org/markup-compatibility/2006" xmlns:mv="urn:schemas-microsoft-com:mac:vml" xmlns:p="http://schemas.openxmlformats.org/presentationml/2006/main" mc:Ignorable="mv" mc:PreserveAttributes="mv:*" type="objTx" preserve="1">
+<p:sldLayout xmlns:a="http://schemas.openxmlformats.org/drawingml/2006/main" xmlns:r="http://schemas.openxmlformats.org/officeDocument/2006/relationships" xmlns:p="http://schemas.openxmlformats.org/presentationml/2006/main" type="objTx" preserve="1">
   <p:cSld name="Content with Caption">
     <p:spTree>
       <p:nvGrpSpPr>
@@ -2209,7 +2209,7 @@
           <a:p>
             <a:fld id="{CB21577C-4FFE-5B46-B8C7-10299048B949}" type="datetimeFigureOut">
               <a:rPr lang="en-US" smtClean="0"/>
-              <a:t>8/31/09</a:t>
+              <a:t>5/8/14</a:t>
             </a:fld>
             <a:endParaRPr lang="en-US"/>
           </a:p>
@@ -2266,7 +2266,7 @@
 </file>
 
 <file path=ppt/slideLayouts/slideLayout9.xml><?xml version="1.0" encoding="utf-8"?>
-<p:sldLayout xmlns:a="http://schemas.openxmlformats.org/drawingml/2006/main" xmlns:r="http://schemas.openxmlformats.org/officeDocument/2006/relationships" xmlns:mc="http://schemas.openxmlformats.org/markup-compatibility/2006" xmlns:mv="urn:schemas-microsoft-com:mac:vml" xmlns:p="http://schemas.openxmlformats.org/presentationml/2006/main" mc:Ignorable="mv" mc:PreserveAttributes="mv:*" type="picTx" preserve="1">
+<p:sldLayout xmlns:a="http://schemas.openxmlformats.org/drawingml/2006/main" xmlns:r="http://schemas.openxmlformats.org/officeDocument/2006/relationships" xmlns:p="http://schemas.openxmlformats.org/presentationml/2006/main" type="picTx" preserve="1">
   <p:cSld name="Picture with Caption">
     <p:spTree>
       <p:nvGrpSpPr>
@@ -2457,7 +2457,7 @@
           <a:p>
             <a:fld id="{CB21577C-4FFE-5B46-B8C7-10299048B949}" type="datetimeFigureOut">
               <a:rPr lang="en-US" smtClean="0"/>
-              <a:t>8/31/09</a:t>
+              <a:t>5/8/14</a:t>
             </a:fld>
             <a:endParaRPr lang="en-US"/>
           </a:p>
@@ -2514,7 +2514,7 @@
 </file>
 
 <file path=ppt/slideMasters/slideMaster1.xml><?xml version="1.0" encoding="utf-8"?>
-<p:sldMaster xmlns:a="http://schemas.openxmlformats.org/drawingml/2006/main" xmlns:r="http://schemas.openxmlformats.org/officeDocument/2006/relationships" xmlns:mc="http://schemas.openxmlformats.org/markup-compatibility/2006" xmlns:mv="urn:schemas-microsoft-com:mac:vml" xmlns:p="http://schemas.openxmlformats.org/presentationml/2006/main" mc:Ignorable="mv" mc:PreserveAttributes="mv:*">
+<p:sldMaster xmlns:a="http://schemas.openxmlformats.org/drawingml/2006/main" xmlns:r="http://schemas.openxmlformats.org/officeDocument/2006/relationships" xmlns:p="http://schemas.openxmlformats.org/presentationml/2006/main">
   <p:cSld>
     <p:bg>
       <p:bgRef idx="1001">
@@ -2665,7 +2665,7 @@
           <a:p>
             <a:fld id="{CB21577C-4FFE-5B46-B8C7-10299048B949}" type="datetimeFigureOut">
               <a:rPr lang="en-US" smtClean="0"/>
-              <a:t>8/31/09</a:t>
+              <a:t>5/8/14</a:t>
             </a:fld>
             <a:endParaRPr lang="en-US"/>
           </a:p>
@@ -3019,7 +3019,7 @@
 </file>
 
 <file path=ppt/slides/slide1.xml><?xml version="1.0" encoding="utf-8"?>
-<p:sld xmlns:a="http://schemas.openxmlformats.org/drawingml/2006/main" xmlns:r="http://schemas.openxmlformats.org/officeDocument/2006/relationships" xmlns:mc="http://schemas.openxmlformats.org/markup-compatibility/2006" xmlns:mv="urn:schemas-microsoft-com:mac:vml" xmlns:p="http://schemas.openxmlformats.org/presentationml/2006/main" mc:Ignorable="mv" mc:PreserveAttributes="mv:*">
+<p:sld xmlns:a="http://schemas.openxmlformats.org/drawingml/2006/main" xmlns:r="http://schemas.openxmlformats.org/officeDocument/2006/relationships" xmlns:p="http://schemas.openxmlformats.org/presentationml/2006/main">
   <p:cSld>
     <p:spTree>
       <p:nvGrpSpPr>
